--- a/doc/planex.pptx
+++ b/doc/planex.pptx
@@ -22,27 +22,34 @@
   <p:notesSz cx="6858000" cy="9144000"/>
   <p:embeddedFontLst>
     <p:embeddedFont>
-      <p:font typeface="Abadi" panose="020B0604020104020204" pitchFamily="34" charset="0"/>
+      <p:font typeface="Cabin" panose="020B0604020202020204" charset="0"/>
       <p:regular r:id="rId12"/>
+      <p:bold r:id="rId13"/>
+      <p:italic r:id="rId14"/>
+      <p:boldItalic r:id="rId15"/>
+    </p:embeddedFont>
+    <p:embeddedFont>
+      <p:font typeface="Abadi" panose="020B0604020202020204" charset="0"/>
+      <p:regular r:id="rId16"/>
     </p:embeddedFont>
     <p:embeddedFont>
       <p:font typeface="Agency FB" panose="020B0503020202020204" pitchFamily="34" charset="0"/>
-      <p:regular r:id="rId13"/>
-      <p:bold r:id="rId14"/>
+      <p:regular r:id="rId17"/>
+      <p:bold r:id="rId18"/>
     </p:embeddedFont>
     <p:embeddedFont>
-      <p:font typeface="Cabin" panose="020B0604020202020204" charset="0"/>
-      <p:regular r:id="rId15"/>
-      <p:bold r:id="rId16"/>
-      <p:italic r:id="rId17"/>
-      <p:boldItalic r:id="rId18"/>
-    </p:embeddedFont>
-    <p:embeddedFont>
-      <p:font typeface="Epilogue" panose="020B0604020202020204" charset="0"/>
+      <p:font typeface="Calibri" panose="020F0502020204030204" pitchFamily="34" charset="0"/>
       <p:regular r:id="rId19"/>
       <p:bold r:id="rId20"/>
       <p:italic r:id="rId21"/>
       <p:boldItalic r:id="rId22"/>
+    </p:embeddedFont>
+    <p:embeddedFont>
+      <p:font typeface="Epilogue" panose="020B0604020202020204" charset="0"/>
+      <p:regular r:id="rId23"/>
+      <p:bold r:id="rId24"/>
+      <p:italic r:id="rId25"/>
+      <p:boldItalic r:id="rId26"/>
     </p:embeddedFont>
   </p:embeddedFontLst>
   <p:defaultTextStyle>
@@ -274,6 +281,11 @@
       </a:defRPr>
     </a:lvl9pPr>
   </p:defaultTextStyle>
+  <p:extLst>
+    <p:ext uri="{EFAFB233-063F-42B5-8137-9DF3F51BA10A}">
+      <p15:sldGuideLst xmlns:p15="http://schemas.microsoft.com/office/powerpoint/2012/main"/>
+    </p:ext>
+  </p:extLst>
 </p:presentation>
 </file>
 
@@ -20297,7 +20309,7 @@
           <a:blip r:embed="rId3">
             <a:extLst>
               <a:ext uri="{96DAC541-7B7A-43D3-8B79-37D633B846F1}">
-                <asvg:svgBlip xmlns:asvg="http://schemas.microsoft.com/office/drawing/2016/SVG/main" r:embed="rId4"/>
+                <asvg:svgBlip xmlns:asvg="http://schemas.microsoft.com/office/drawing/2016/SVG/main" xmlns="" r:embed="rId4"/>
               </a:ext>
             </a:extLst>
           </a:blip>
@@ -20333,7 +20345,7 @@
           <a:blip r:embed="rId5">
             <a:extLst>
               <a:ext uri="{96DAC541-7B7A-43D3-8B79-37D633B846F1}">
-                <asvg:svgBlip xmlns:asvg="http://schemas.microsoft.com/office/drawing/2016/SVG/main" r:embed="rId6"/>
+                <asvg:svgBlip xmlns:asvg="http://schemas.microsoft.com/office/drawing/2016/SVG/main" xmlns="" r:embed="rId6"/>
               </a:ext>
             </a:extLst>
           </a:blip>
@@ -20420,159 +20432,17 @@
     <a:masterClrMapping/>
   </p:clrMapOvr>
   <mc:AlternateContent xmlns:mc="http://schemas.openxmlformats.org/markup-compatibility/2006">
-    <mc:Choice xmlns:p15="http://schemas.microsoft.com/office/powerpoint/2012/main" Requires="p15">
-      <p:transition xmlns:p14="http://schemas.microsoft.com/office/powerpoint/2010/main" spd="slow" p14:dur="1250">
-        <p15:prstTrans prst="airplane"/>
-      </p:transition>
+    <mc:Choice xmlns:p14="http://schemas.microsoft.com/office/powerpoint/2010/main" Requires="p14">
+      <p:transition p14:dur="10"/>
     </mc:Choice>
     <mc:Fallback>
-      <p:transition spd="slow">
-        <p:fade/>
-      </p:transition>
+      <p:transition/>
     </mc:Fallback>
   </mc:AlternateContent>
   <p:timing>
     <p:tnLst>
       <p:par>
-        <p:cTn id="1" dur="indefinite" restart="never" nodeType="tmRoot">
-          <p:childTnLst>
-            <p:seq concurrent="1" nextAc="seek">
-              <p:cTn id="2" dur="indefinite" nodeType="mainSeq">
-                <p:childTnLst>
-                  <p:par>
-                    <p:cTn id="3" fill="hold">
-                      <p:stCondLst>
-                        <p:cond delay="indefinite"/>
-                      </p:stCondLst>
-                      <p:childTnLst>
-                        <p:par>
-                          <p:cTn id="4" fill="hold">
-                            <p:stCondLst>
-                              <p:cond delay="0"/>
-                            </p:stCondLst>
-                            <p:childTnLst>
-                              <p:par>
-                                <p:cTn id="5" presetID="42" presetClass="entr" presetSubtype="0" fill="hold" nodeType="clickEffect">
-                                  <p:stCondLst>
-                                    <p:cond delay="0"/>
-                                  </p:stCondLst>
-                                  <p:childTnLst>
-                                    <p:set>
-                                      <p:cBhvr>
-                                        <p:cTn id="6" dur="1" fill="hold">
-                                          <p:stCondLst>
-                                            <p:cond delay="0"/>
-                                          </p:stCondLst>
-                                        </p:cTn>
-                                        <p:tgtEl>
-                                          <p:spTgt spid="32">
-                                            <p:txEl>
-                                              <p:pRg st="0" end="0"/>
-                                            </p:txEl>
-                                          </p:spTgt>
-                                        </p:tgtEl>
-                                        <p:attrNameLst>
-                                          <p:attrName>style.visibility</p:attrName>
-                                        </p:attrNameLst>
-                                      </p:cBhvr>
-                                      <p:to>
-                                        <p:strVal val="visible"/>
-                                      </p:to>
-                                    </p:set>
-                                    <p:animEffect transition="in" filter="fade">
-                                      <p:cBhvr>
-                                        <p:cTn id="7" dur="1000"/>
-                                        <p:tgtEl>
-                                          <p:spTgt spid="32">
-                                            <p:txEl>
-                                              <p:pRg st="0" end="0"/>
-                                            </p:txEl>
-                                          </p:spTgt>
-                                        </p:tgtEl>
-                                      </p:cBhvr>
-                                    </p:animEffect>
-                                    <p:anim calcmode="lin" valueType="num">
-                                      <p:cBhvr>
-                                        <p:cTn id="8" dur="1000" fill="hold"/>
-                                        <p:tgtEl>
-                                          <p:spTgt spid="32">
-                                            <p:txEl>
-                                              <p:pRg st="0" end="0"/>
-                                            </p:txEl>
-                                          </p:spTgt>
-                                        </p:tgtEl>
-                                        <p:attrNameLst>
-                                          <p:attrName>ppt_x</p:attrName>
-                                        </p:attrNameLst>
-                                      </p:cBhvr>
-                                      <p:tavLst>
-                                        <p:tav tm="0">
-                                          <p:val>
-                                            <p:strVal val="#ppt_x"/>
-                                          </p:val>
-                                        </p:tav>
-                                        <p:tav tm="100000">
-                                          <p:val>
-                                            <p:strVal val="#ppt_x"/>
-                                          </p:val>
-                                        </p:tav>
-                                      </p:tavLst>
-                                    </p:anim>
-                                    <p:anim calcmode="lin" valueType="num">
-                                      <p:cBhvr>
-                                        <p:cTn id="9" dur="1000" fill="hold"/>
-                                        <p:tgtEl>
-                                          <p:spTgt spid="32">
-                                            <p:txEl>
-                                              <p:pRg st="0" end="0"/>
-                                            </p:txEl>
-                                          </p:spTgt>
-                                        </p:tgtEl>
-                                        <p:attrNameLst>
-                                          <p:attrName>ppt_y</p:attrName>
-                                        </p:attrNameLst>
-                                      </p:cBhvr>
-                                      <p:tavLst>
-                                        <p:tav tm="0">
-                                          <p:val>
-                                            <p:strVal val="#ppt_y+.1"/>
-                                          </p:val>
-                                        </p:tav>
-                                        <p:tav tm="100000">
-                                          <p:val>
-                                            <p:strVal val="#ppt_y"/>
-                                          </p:val>
-                                        </p:tav>
-                                      </p:tavLst>
-                                    </p:anim>
-                                  </p:childTnLst>
-                                </p:cTn>
-                              </p:par>
-                            </p:childTnLst>
-                          </p:cTn>
-                        </p:par>
-                      </p:childTnLst>
-                    </p:cTn>
-                  </p:par>
-                </p:childTnLst>
-              </p:cTn>
-              <p:prevCondLst>
-                <p:cond evt="onPrev" delay="0">
-                  <p:tgtEl>
-                    <p:sldTgt/>
-                  </p:tgtEl>
-                </p:cond>
-              </p:prevCondLst>
-              <p:nextCondLst>
-                <p:cond evt="onNext" delay="0">
-                  <p:tgtEl>
-                    <p:sldTgt/>
-                  </p:tgtEl>
-                </p:cond>
-              </p:nextCondLst>
-            </p:seq>
-          </p:childTnLst>
-        </p:cTn>
+        <p:cTn id="1" dur="indefinite" restart="never" nodeType="tmRoot"/>
       </p:par>
     </p:tnLst>
   </p:timing>
@@ -21641,17 +21511,20 @@
     <a:masterClrMapping/>
   </p:clrMapOvr>
   <mc:AlternateContent xmlns:mc="http://schemas.openxmlformats.org/markup-compatibility/2006">
-    <mc:Choice xmlns:p15="http://schemas.microsoft.com/office/powerpoint/2012/main" Requires="p15">
-      <p:transition xmlns:p14="http://schemas.microsoft.com/office/powerpoint/2010/main" spd="slow" p14:dur="10000">
-        <p15:prstTrans prst="fracture"/>
-      </p:transition>
+    <mc:Choice xmlns:p14="http://schemas.microsoft.com/office/powerpoint/2010/main" Requires="p14">
+      <p:transition p14:dur="0"/>
     </mc:Choice>
     <mc:Fallback>
-      <p:transition spd="slow">
-        <p:fade/>
-      </p:transition>
+      <p:transition/>
     </mc:Fallback>
   </mc:AlternateContent>
+  <p:timing>
+    <p:tnLst>
+      <p:par>
+        <p:cTn id="1" dur="indefinite" restart="never" nodeType="tmRoot"/>
+      </p:par>
+    </p:tnLst>
+  </p:timing>
 </p:sld>
 </file>
 
@@ -23682,17 +23555,20 @@
     <a:masterClrMapping/>
   </p:clrMapOvr>
   <mc:AlternateContent xmlns:mc="http://schemas.openxmlformats.org/markup-compatibility/2006">
-    <mc:Choice xmlns:p15="http://schemas.microsoft.com/office/powerpoint/2012/main" Requires="p15">
-      <p:transition xmlns:p14="http://schemas.microsoft.com/office/powerpoint/2010/main" spd="slow" p14:dur="10000">
-        <p15:prstTrans prst="wind"/>
-      </p:transition>
+    <mc:Choice xmlns:p14="http://schemas.microsoft.com/office/powerpoint/2010/main" Requires="p14">
+      <p:transition p14:dur="0"/>
     </mc:Choice>
     <mc:Fallback>
-      <p:transition spd="slow">
-        <p:fade/>
-      </p:transition>
+      <p:transition/>
     </mc:Fallback>
   </mc:AlternateContent>
+  <p:timing>
+    <p:tnLst>
+      <p:par>
+        <p:cTn id="1" dur="indefinite" restart="never" nodeType="tmRoot"/>
+      </p:par>
+    </p:tnLst>
+  </p:timing>
 </p:sld>
 </file>
 
@@ -24092,726 +23968,19 @@
     <a:masterClrMapping/>
   </p:clrMapOvr>
   <mc:AlternateContent xmlns:mc="http://schemas.openxmlformats.org/markup-compatibility/2006">
-    <mc:Choice xmlns:p15="http://schemas.microsoft.com/office/powerpoint/2012/main" Requires="p15">
-      <p:transition xmlns:p14="http://schemas.microsoft.com/office/powerpoint/2010/main" spd="slow" p14:dur="15000">
-        <p15:prstTrans prst="curtains"/>
-      </p:transition>
+    <mc:Choice xmlns:p14="http://schemas.microsoft.com/office/powerpoint/2010/main" Requires="p14">
+      <p:transition p14:dur="0"/>
     </mc:Choice>
     <mc:Fallback>
-      <p:transition spd="slow">
-        <p:fade/>
-      </p:transition>
+      <p:transition/>
     </mc:Fallback>
   </mc:AlternateContent>
   <p:timing>
     <p:tnLst>
       <p:par>
-        <p:cTn id="1" dur="indefinite" restart="never" nodeType="tmRoot">
-          <p:childTnLst>
-            <p:seq concurrent="1" nextAc="seek">
-              <p:cTn id="2" dur="indefinite" nodeType="mainSeq">
-                <p:childTnLst>
-                  <p:par>
-                    <p:cTn id="3" fill="hold">
-                      <p:stCondLst>
-                        <p:cond delay="indefinite"/>
-                      </p:stCondLst>
-                      <p:childTnLst>
-                        <p:par>
-                          <p:cTn id="4" fill="hold">
-                            <p:stCondLst>
-                              <p:cond delay="0"/>
-                            </p:stCondLst>
-                            <p:childTnLst>
-                              <p:par>
-                                <p:cTn id="5" presetID="45" presetClass="entr" presetSubtype="0" fill="hold" grpId="0" nodeType="clickEffect">
-                                  <p:stCondLst>
-                                    <p:cond delay="0"/>
-                                  </p:stCondLst>
-                                  <p:childTnLst>
-                                    <p:set>
-                                      <p:cBhvr>
-                                        <p:cTn id="6" dur="1" fill="hold">
-                                          <p:stCondLst>
-                                            <p:cond delay="0"/>
-                                          </p:stCondLst>
-                                        </p:cTn>
-                                        <p:tgtEl>
-                                          <p:spTgt spid="3"/>
-                                        </p:tgtEl>
-                                        <p:attrNameLst>
-                                          <p:attrName>style.visibility</p:attrName>
-                                        </p:attrNameLst>
-                                      </p:cBhvr>
-                                      <p:to>
-                                        <p:strVal val="visible"/>
-                                      </p:to>
-                                    </p:set>
-                                    <p:animEffect transition="in" filter="fade">
-                                      <p:cBhvr>
-                                        <p:cTn id="7" dur="2000"/>
-                                        <p:tgtEl>
-                                          <p:spTgt spid="3"/>
-                                        </p:tgtEl>
-                                      </p:cBhvr>
-                                    </p:animEffect>
-                                    <p:anim calcmode="lin" valueType="num">
-                                      <p:cBhvr>
-                                        <p:cTn id="8" dur="2000" fill="hold"/>
-                                        <p:tgtEl>
-                                          <p:spTgt spid="3"/>
-                                        </p:tgtEl>
-                                        <p:attrNameLst>
-                                          <p:attrName>ppt_w</p:attrName>
-                                        </p:attrNameLst>
-                                      </p:cBhvr>
-                                      <p:tavLst>
-                                        <p:tav tm="0" fmla="#ppt_w*sin(2.5*pi*$)">
-                                          <p:val>
-                                            <p:fltVal val="0"/>
-                                          </p:val>
-                                        </p:tav>
-                                        <p:tav tm="100000">
-                                          <p:val>
-                                            <p:fltVal val="1"/>
-                                          </p:val>
-                                        </p:tav>
-                                      </p:tavLst>
-                                    </p:anim>
-                                    <p:anim calcmode="lin" valueType="num">
-                                      <p:cBhvr>
-                                        <p:cTn id="9" dur="2000" fill="hold"/>
-                                        <p:tgtEl>
-                                          <p:spTgt spid="3"/>
-                                        </p:tgtEl>
-                                        <p:attrNameLst>
-                                          <p:attrName>ppt_h</p:attrName>
-                                        </p:attrNameLst>
-                                      </p:cBhvr>
-                                      <p:tavLst>
-                                        <p:tav tm="0">
-                                          <p:val>
-                                            <p:strVal val="#ppt_h"/>
-                                          </p:val>
-                                        </p:tav>
-                                        <p:tav tm="100000">
-                                          <p:val>
-                                            <p:strVal val="#ppt_h"/>
-                                          </p:val>
-                                        </p:tav>
-                                      </p:tavLst>
-                                    </p:anim>
-                                  </p:childTnLst>
-                                </p:cTn>
-                              </p:par>
-                              <p:par>
-                                <p:cTn id="10" presetID="45" presetClass="entr" presetSubtype="0" fill="hold" nodeType="withEffect">
-                                  <p:stCondLst>
-                                    <p:cond delay="0"/>
-                                  </p:stCondLst>
-                                  <p:childTnLst>
-                                    <p:set>
-                                      <p:cBhvr>
-                                        <p:cTn id="11" dur="1" fill="hold">
-                                          <p:stCondLst>
-                                            <p:cond delay="0"/>
-                                          </p:stCondLst>
-                                        </p:cTn>
-                                        <p:tgtEl>
-                                          <p:spTgt spid="4"/>
-                                        </p:tgtEl>
-                                        <p:attrNameLst>
-                                          <p:attrName>style.visibility</p:attrName>
-                                        </p:attrNameLst>
-                                      </p:cBhvr>
-                                      <p:to>
-                                        <p:strVal val="visible"/>
-                                      </p:to>
-                                    </p:set>
-                                    <p:animEffect transition="in" filter="fade">
-                                      <p:cBhvr>
-                                        <p:cTn id="12" dur="2000"/>
-                                        <p:tgtEl>
-                                          <p:spTgt spid="4"/>
-                                        </p:tgtEl>
-                                      </p:cBhvr>
-                                    </p:animEffect>
-                                    <p:anim calcmode="lin" valueType="num">
-                                      <p:cBhvr>
-                                        <p:cTn id="13" dur="2000" fill="hold"/>
-                                        <p:tgtEl>
-                                          <p:spTgt spid="4"/>
-                                        </p:tgtEl>
-                                        <p:attrNameLst>
-                                          <p:attrName>ppt_w</p:attrName>
-                                        </p:attrNameLst>
-                                      </p:cBhvr>
-                                      <p:tavLst>
-                                        <p:tav tm="0" fmla="#ppt_w*sin(2.5*pi*$)">
-                                          <p:val>
-                                            <p:fltVal val="0"/>
-                                          </p:val>
-                                        </p:tav>
-                                        <p:tav tm="100000">
-                                          <p:val>
-                                            <p:fltVal val="1"/>
-                                          </p:val>
-                                        </p:tav>
-                                      </p:tavLst>
-                                    </p:anim>
-                                    <p:anim calcmode="lin" valueType="num">
-                                      <p:cBhvr>
-                                        <p:cTn id="14" dur="2000" fill="hold"/>
-                                        <p:tgtEl>
-                                          <p:spTgt spid="4"/>
-                                        </p:tgtEl>
-                                        <p:attrNameLst>
-                                          <p:attrName>ppt_h</p:attrName>
-                                        </p:attrNameLst>
-                                      </p:cBhvr>
-                                      <p:tavLst>
-                                        <p:tav tm="0">
-                                          <p:val>
-                                            <p:strVal val="#ppt_h"/>
-                                          </p:val>
-                                        </p:tav>
-                                        <p:tav tm="100000">
-                                          <p:val>
-                                            <p:strVal val="#ppt_h"/>
-                                          </p:val>
-                                        </p:tav>
-                                      </p:tavLst>
-                                    </p:anim>
-                                  </p:childTnLst>
-                                </p:cTn>
-                              </p:par>
-                            </p:childTnLst>
-                          </p:cTn>
-                        </p:par>
-                      </p:childTnLst>
-                    </p:cTn>
-                  </p:par>
-                  <p:par>
-                    <p:cTn id="15" fill="hold">
-                      <p:stCondLst>
-                        <p:cond delay="indefinite"/>
-                      </p:stCondLst>
-                      <p:childTnLst>
-                        <p:par>
-                          <p:cTn id="16" fill="hold">
-                            <p:stCondLst>
-                              <p:cond delay="0"/>
-                            </p:stCondLst>
-                            <p:childTnLst>
-                              <p:par>
-                                <p:cTn id="17" presetID="31" presetClass="entr" presetSubtype="0" fill="hold" grpId="0" nodeType="clickEffect">
-                                  <p:stCondLst>
-                                    <p:cond delay="0"/>
-                                  </p:stCondLst>
-                                  <p:childTnLst>
-                                    <p:set>
-                                      <p:cBhvr>
-                                        <p:cTn id="18" dur="1" fill="hold">
-                                          <p:stCondLst>
-                                            <p:cond delay="0"/>
-                                          </p:stCondLst>
-                                        </p:cTn>
-                                        <p:tgtEl>
-                                          <p:spTgt spid="18"/>
-                                        </p:tgtEl>
-                                        <p:attrNameLst>
-                                          <p:attrName>style.visibility</p:attrName>
-                                        </p:attrNameLst>
-                                      </p:cBhvr>
-                                      <p:to>
-                                        <p:strVal val="visible"/>
-                                      </p:to>
-                                    </p:set>
-                                    <p:anim calcmode="lin" valueType="num">
-                                      <p:cBhvr>
-                                        <p:cTn id="19" dur="1000" fill="hold"/>
-                                        <p:tgtEl>
-                                          <p:spTgt spid="18"/>
-                                        </p:tgtEl>
-                                        <p:attrNameLst>
-                                          <p:attrName>ppt_w</p:attrName>
-                                        </p:attrNameLst>
-                                      </p:cBhvr>
-                                      <p:tavLst>
-                                        <p:tav tm="0">
-                                          <p:val>
-                                            <p:fltVal val="0"/>
-                                          </p:val>
-                                        </p:tav>
-                                        <p:tav tm="100000">
-                                          <p:val>
-                                            <p:strVal val="#ppt_w"/>
-                                          </p:val>
-                                        </p:tav>
-                                      </p:tavLst>
-                                    </p:anim>
-                                    <p:anim calcmode="lin" valueType="num">
-                                      <p:cBhvr>
-                                        <p:cTn id="20" dur="1000" fill="hold"/>
-                                        <p:tgtEl>
-                                          <p:spTgt spid="18"/>
-                                        </p:tgtEl>
-                                        <p:attrNameLst>
-                                          <p:attrName>ppt_h</p:attrName>
-                                        </p:attrNameLst>
-                                      </p:cBhvr>
-                                      <p:tavLst>
-                                        <p:tav tm="0">
-                                          <p:val>
-                                            <p:fltVal val="0"/>
-                                          </p:val>
-                                        </p:tav>
-                                        <p:tav tm="100000">
-                                          <p:val>
-                                            <p:strVal val="#ppt_h"/>
-                                          </p:val>
-                                        </p:tav>
-                                      </p:tavLst>
-                                    </p:anim>
-                                    <p:anim calcmode="lin" valueType="num">
-                                      <p:cBhvr>
-                                        <p:cTn id="21" dur="1000" fill="hold"/>
-                                        <p:tgtEl>
-                                          <p:spTgt spid="18"/>
-                                        </p:tgtEl>
-                                        <p:attrNameLst>
-                                          <p:attrName>style.rotation</p:attrName>
-                                        </p:attrNameLst>
-                                      </p:cBhvr>
-                                      <p:tavLst>
-                                        <p:tav tm="0">
-                                          <p:val>
-                                            <p:fltVal val="90"/>
-                                          </p:val>
-                                        </p:tav>
-                                        <p:tav tm="100000">
-                                          <p:val>
-                                            <p:fltVal val="0"/>
-                                          </p:val>
-                                        </p:tav>
-                                      </p:tavLst>
-                                    </p:anim>
-                                    <p:animEffect transition="in" filter="fade">
-                                      <p:cBhvr>
-                                        <p:cTn id="22" dur="1000"/>
-                                        <p:tgtEl>
-                                          <p:spTgt spid="18"/>
-                                        </p:tgtEl>
-                                      </p:cBhvr>
-                                    </p:animEffect>
-                                  </p:childTnLst>
-                                </p:cTn>
-                              </p:par>
-                              <p:par>
-                                <p:cTn id="23" presetID="31" presetClass="entr" presetSubtype="0" fill="hold" nodeType="withEffect">
-                                  <p:stCondLst>
-                                    <p:cond delay="0"/>
-                                  </p:stCondLst>
-                                  <p:childTnLst>
-                                    <p:set>
-                                      <p:cBhvr>
-                                        <p:cTn id="24" dur="1" fill="hold">
-                                          <p:stCondLst>
-                                            <p:cond delay="0"/>
-                                          </p:stCondLst>
-                                        </p:cTn>
-                                        <p:tgtEl>
-                                          <p:spTgt spid="19"/>
-                                        </p:tgtEl>
-                                        <p:attrNameLst>
-                                          <p:attrName>style.visibility</p:attrName>
-                                        </p:attrNameLst>
-                                      </p:cBhvr>
-                                      <p:to>
-                                        <p:strVal val="visible"/>
-                                      </p:to>
-                                    </p:set>
-                                    <p:anim calcmode="lin" valueType="num">
-                                      <p:cBhvr>
-                                        <p:cTn id="25" dur="1000" fill="hold"/>
-                                        <p:tgtEl>
-                                          <p:spTgt spid="19"/>
-                                        </p:tgtEl>
-                                        <p:attrNameLst>
-                                          <p:attrName>ppt_w</p:attrName>
-                                        </p:attrNameLst>
-                                      </p:cBhvr>
-                                      <p:tavLst>
-                                        <p:tav tm="0">
-                                          <p:val>
-                                            <p:fltVal val="0"/>
-                                          </p:val>
-                                        </p:tav>
-                                        <p:tav tm="100000">
-                                          <p:val>
-                                            <p:strVal val="#ppt_w"/>
-                                          </p:val>
-                                        </p:tav>
-                                      </p:tavLst>
-                                    </p:anim>
-                                    <p:anim calcmode="lin" valueType="num">
-                                      <p:cBhvr>
-                                        <p:cTn id="26" dur="1000" fill="hold"/>
-                                        <p:tgtEl>
-                                          <p:spTgt spid="19"/>
-                                        </p:tgtEl>
-                                        <p:attrNameLst>
-                                          <p:attrName>ppt_h</p:attrName>
-                                        </p:attrNameLst>
-                                      </p:cBhvr>
-                                      <p:tavLst>
-                                        <p:tav tm="0">
-                                          <p:val>
-                                            <p:fltVal val="0"/>
-                                          </p:val>
-                                        </p:tav>
-                                        <p:tav tm="100000">
-                                          <p:val>
-                                            <p:strVal val="#ppt_h"/>
-                                          </p:val>
-                                        </p:tav>
-                                      </p:tavLst>
-                                    </p:anim>
-                                    <p:anim calcmode="lin" valueType="num">
-                                      <p:cBhvr>
-                                        <p:cTn id="27" dur="1000" fill="hold"/>
-                                        <p:tgtEl>
-                                          <p:spTgt spid="19"/>
-                                        </p:tgtEl>
-                                        <p:attrNameLst>
-                                          <p:attrName>style.rotation</p:attrName>
-                                        </p:attrNameLst>
-                                      </p:cBhvr>
-                                      <p:tavLst>
-                                        <p:tav tm="0">
-                                          <p:val>
-                                            <p:fltVal val="90"/>
-                                          </p:val>
-                                        </p:tav>
-                                        <p:tav tm="100000">
-                                          <p:val>
-                                            <p:fltVal val="0"/>
-                                          </p:val>
-                                        </p:tav>
-                                      </p:tavLst>
-                                    </p:anim>
-                                    <p:animEffect transition="in" filter="fade">
-                                      <p:cBhvr>
-                                        <p:cTn id="28" dur="1000"/>
-                                        <p:tgtEl>
-                                          <p:spTgt spid="19"/>
-                                        </p:tgtEl>
-                                      </p:cBhvr>
-                                    </p:animEffect>
-                                  </p:childTnLst>
-                                </p:cTn>
-                              </p:par>
-                            </p:childTnLst>
-                          </p:cTn>
-                        </p:par>
-                      </p:childTnLst>
-                    </p:cTn>
-                  </p:par>
-                  <p:par>
-                    <p:cTn id="29" fill="hold">
-                      <p:stCondLst>
-                        <p:cond delay="indefinite"/>
-                      </p:stCondLst>
-                      <p:childTnLst>
-                        <p:par>
-                          <p:cTn id="30" fill="hold">
-                            <p:stCondLst>
-                              <p:cond delay="0"/>
-                            </p:stCondLst>
-                            <p:childTnLst>
-                              <p:par>
-                                <p:cTn id="31" presetID="14" presetClass="entr" presetSubtype="10" fill="hold" grpId="0" nodeType="clickEffect">
-                                  <p:stCondLst>
-                                    <p:cond delay="0"/>
-                                  </p:stCondLst>
-                                  <p:childTnLst>
-                                    <p:set>
-                                      <p:cBhvr>
-                                        <p:cTn id="32" dur="1" fill="hold">
-                                          <p:stCondLst>
-                                            <p:cond delay="0"/>
-                                          </p:stCondLst>
-                                        </p:cTn>
-                                        <p:tgtEl>
-                                          <p:spTgt spid="20"/>
-                                        </p:tgtEl>
-                                        <p:attrNameLst>
-                                          <p:attrName>style.visibility</p:attrName>
-                                        </p:attrNameLst>
-                                      </p:cBhvr>
-                                      <p:to>
-                                        <p:strVal val="visible"/>
-                                      </p:to>
-                                    </p:set>
-                                    <p:animEffect transition="in" filter="randombar(horizontal)">
-                                      <p:cBhvr>
-                                        <p:cTn id="33" dur="500"/>
-                                        <p:tgtEl>
-                                          <p:spTgt spid="20"/>
-                                        </p:tgtEl>
-                                      </p:cBhvr>
-                                    </p:animEffect>
-                                  </p:childTnLst>
-                                </p:cTn>
-                              </p:par>
-                              <p:par>
-                                <p:cTn id="34" presetID="14" presetClass="entr" presetSubtype="10" fill="hold" nodeType="withEffect">
-                                  <p:stCondLst>
-                                    <p:cond delay="0"/>
-                                  </p:stCondLst>
-                                  <p:childTnLst>
-                                    <p:set>
-                                      <p:cBhvr>
-                                        <p:cTn id="35" dur="1" fill="hold">
-                                          <p:stCondLst>
-                                            <p:cond delay="0"/>
-                                          </p:stCondLst>
-                                        </p:cTn>
-                                        <p:tgtEl>
-                                          <p:spTgt spid="21"/>
-                                        </p:tgtEl>
-                                        <p:attrNameLst>
-                                          <p:attrName>style.visibility</p:attrName>
-                                        </p:attrNameLst>
-                                      </p:cBhvr>
-                                      <p:to>
-                                        <p:strVal val="visible"/>
-                                      </p:to>
-                                    </p:set>
-                                    <p:animEffect transition="in" filter="randombar(horizontal)">
-                                      <p:cBhvr>
-                                        <p:cTn id="36" dur="500"/>
-                                        <p:tgtEl>
-                                          <p:spTgt spid="21"/>
-                                        </p:tgtEl>
-                                      </p:cBhvr>
-                                    </p:animEffect>
-                                  </p:childTnLst>
-                                </p:cTn>
-                              </p:par>
-                            </p:childTnLst>
-                          </p:cTn>
-                        </p:par>
-                      </p:childTnLst>
-                    </p:cTn>
-                  </p:par>
-                  <p:par>
-                    <p:cTn id="37" fill="hold">
-                      <p:stCondLst>
-                        <p:cond delay="indefinite"/>
-                      </p:stCondLst>
-                      <p:childTnLst>
-                        <p:par>
-                          <p:cTn id="38" fill="hold">
-                            <p:stCondLst>
-                              <p:cond delay="0"/>
-                            </p:stCondLst>
-                            <p:childTnLst>
-                              <p:par>
-                                <p:cTn id="39" presetID="53" presetClass="entr" presetSubtype="16" fill="hold" grpId="0" nodeType="clickEffect">
-                                  <p:stCondLst>
-                                    <p:cond delay="0"/>
-                                  </p:stCondLst>
-                                  <p:childTnLst>
-                                    <p:set>
-                                      <p:cBhvr>
-                                        <p:cTn id="40" dur="1" fill="hold">
-                                          <p:stCondLst>
-                                            <p:cond delay="0"/>
-                                          </p:stCondLst>
-                                        </p:cTn>
-                                        <p:tgtEl>
-                                          <p:spTgt spid="22"/>
-                                        </p:tgtEl>
-                                        <p:attrNameLst>
-                                          <p:attrName>style.visibility</p:attrName>
-                                        </p:attrNameLst>
-                                      </p:cBhvr>
-                                      <p:to>
-                                        <p:strVal val="visible"/>
-                                      </p:to>
-                                    </p:set>
-                                    <p:anim calcmode="lin" valueType="num">
-                                      <p:cBhvr>
-                                        <p:cTn id="41" dur="500" fill="hold"/>
-                                        <p:tgtEl>
-                                          <p:spTgt spid="22"/>
-                                        </p:tgtEl>
-                                        <p:attrNameLst>
-                                          <p:attrName>ppt_w</p:attrName>
-                                        </p:attrNameLst>
-                                      </p:cBhvr>
-                                      <p:tavLst>
-                                        <p:tav tm="0">
-                                          <p:val>
-                                            <p:fltVal val="0"/>
-                                          </p:val>
-                                        </p:tav>
-                                        <p:tav tm="100000">
-                                          <p:val>
-                                            <p:strVal val="#ppt_w"/>
-                                          </p:val>
-                                        </p:tav>
-                                      </p:tavLst>
-                                    </p:anim>
-                                    <p:anim calcmode="lin" valueType="num">
-                                      <p:cBhvr>
-                                        <p:cTn id="42" dur="500" fill="hold"/>
-                                        <p:tgtEl>
-                                          <p:spTgt spid="22"/>
-                                        </p:tgtEl>
-                                        <p:attrNameLst>
-                                          <p:attrName>ppt_h</p:attrName>
-                                        </p:attrNameLst>
-                                      </p:cBhvr>
-                                      <p:tavLst>
-                                        <p:tav tm="0">
-                                          <p:val>
-                                            <p:fltVal val="0"/>
-                                          </p:val>
-                                        </p:tav>
-                                        <p:tav tm="100000">
-                                          <p:val>
-                                            <p:strVal val="#ppt_h"/>
-                                          </p:val>
-                                        </p:tav>
-                                      </p:tavLst>
-                                    </p:anim>
-                                    <p:animEffect transition="in" filter="fade">
-                                      <p:cBhvr>
-                                        <p:cTn id="43" dur="500"/>
-                                        <p:tgtEl>
-                                          <p:spTgt spid="22"/>
-                                        </p:tgtEl>
-                                      </p:cBhvr>
-                                    </p:animEffect>
-                                  </p:childTnLst>
-                                </p:cTn>
-                              </p:par>
-                              <p:par>
-                                <p:cTn id="44" presetID="53" presetClass="entr" presetSubtype="16" fill="hold" nodeType="withEffect">
-                                  <p:stCondLst>
-                                    <p:cond delay="0"/>
-                                  </p:stCondLst>
-                                  <p:childTnLst>
-                                    <p:set>
-                                      <p:cBhvr>
-                                        <p:cTn id="45" dur="1" fill="hold">
-                                          <p:stCondLst>
-                                            <p:cond delay="0"/>
-                                          </p:stCondLst>
-                                        </p:cTn>
-                                        <p:tgtEl>
-                                          <p:spTgt spid="23"/>
-                                        </p:tgtEl>
-                                        <p:attrNameLst>
-                                          <p:attrName>style.visibility</p:attrName>
-                                        </p:attrNameLst>
-                                      </p:cBhvr>
-                                      <p:to>
-                                        <p:strVal val="visible"/>
-                                      </p:to>
-                                    </p:set>
-                                    <p:anim calcmode="lin" valueType="num">
-                                      <p:cBhvr>
-                                        <p:cTn id="46" dur="500" fill="hold"/>
-                                        <p:tgtEl>
-                                          <p:spTgt spid="23"/>
-                                        </p:tgtEl>
-                                        <p:attrNameLst>
-                                          <p:attrName>ppt_w</p:attrName>
-                                        </p:attrNameLst>
-                                      </p:cBhvr>
-                                      <p:tavLst>
-                                        <p:tav tm="0">
-                                          <p:val>
-                                            <p:fltVal val="0"/>
-                                          </p:val>
-                                        </p:tav>
-                                        <p:tav tm="100000">
-                                          <p:val>
-                                            <p:strVal val="#ppt_w"/>
-                                          </p:val>
-                                        </p:tav>
-                                      </p:tavLst>
-                                    </p:anim>
-                                    <p:anim calcmode="lin" valueType="num">
-                                      <p:cBhvr>
-                                        <p:cTn id="47" dur="500" fill="hold"/>
-                                        <p:tgtEl>
-                                          <p:spTgt spid="23"/>
-                                        </p:tgtEl>
-                                        <p:attrNameLst>
-                                          <p:attrName>ppt_h</p:attrName>
-                                        </p:attrNameLst>
-                                      </p:cBhvr>
-                                      <p:tavLst>
-                                        <p:tav tm="0">
-                                          <p:val>
-                                            <p:fltVal val="0"/>
-                                          </p:val>
-                                        </p:tav>
-                                        <p:tav tm="100000">
-                                          <p:val>
-                                            <p:strVal val="#ppt_h"/>
-                                          </p:val>
-                                        </p:tav>
-                                      </p:tavLst>
-                                    </p:anim>
-                                    <p:animEffect transition="in" filter="fade">
-                                      <p:cBhvr>
-                                        <p:cTn id="48" dur="500"/>
-                                        <p:tgtEl>
-                                          <p:spTgt spid="23"/>
-                                        </p:tgtEl>
-                                      </p:cBhvr>
-                                    </p:animEffect>
-                                  </p:childTnLst>
-                                </p:cTn>
-                              </p:par>
-                            </p:childTnLst>
-                          </p:cTn>
-                        </p:par>
-                      </p:childTnLst>
-                    </p:cTn>
-                  </p:par>
-                </p:childTnLst>
-              </p:cTn>
-              <p:prevCondLst>
-                <p:cond evt="onPrev" delay="0">
-                  <p:tgtEl>
-                    <p:sldTgt/>
-                  </p:tgtEl>
-                </p:cond>
-              </p:prevCondLst>
-              <p:nextCondLst>
-                <p:cond evt="onNext" delay="0">
-                  <p:tgtEl>
-                    <p:sldTgt/>
-                  </p:tgtEl>
-                </p:cond>
-              </p:nextCondLst>
-            </p:seq>
-          </p:childTnLst>
-        </p:cTn>
+        <p:cTn id="1" dur="indefinite" restart="never" nodeType="tmRoot"/>
       </p:par>
     </p:tnLst>
-    <p:bldLst>
-      <p:bldP spid="3" grpId="0" animBg="1"/>
-      <p:bldP spid="18" grpId="0" animBg="1"/>
-      <p:bldP spid="20" grpId="0" animBg="1"/>
-      <p:bldP spid="22" grpId="0" animBg="1"/>
-    </p:bldLst>
   </p:timing>
 </p:sld>
 </file>
@@ -25012,16 +24181,19 @@
   </p:clrMapOvr>
   <mc:AlternateContent xmlns:mc="http://schemas.openxmlformats.org/markup-compatibility/2006">
     <mc:Choice xmlns:p14="http://schemas.microsoft.com/office/powerpoint/2010/main" Requires="p14">
-      <p:transition spd="slow" p14:dur="10000">
-        <p14:vortex dir="r"/>
-      </p:transition>
+      <p:transition p14:dur="0"/>
     </mc:Choice>
     <mc:Fallback>
-      <p:transition spd="slow">
-        <p:fade/>
-      </p:transition>
+      <p:transition/>
     </mc:Fallback>
   </mc:AlternateContent>
+  <p:timing>
+    <p:tnLst>
+      <p:par>
+        <p:cTn id="1" dur="indefinite" restart="never" nodeType="tmRoot"/>
+      </p:par>
+    </p:tnLst>
+  </p:timing>
 </p:sld>
 </file>
 
@@ -26133,1070 +25305,18 @@
   </p:clrMapOvr>
   <mc:AlternateContent xmlns:mc="http://schemas.openxmlformats.org/markup-compatibility/2006">
     <mc:Choice xmlns:p14="http://schemas.microsoft.com/office/powerpoint/2010/main" Requires="p14">
-      <p:transition spd="slow" p14:dur="10500">
-        <p:checker/>
-      </p:transition>
+      <p:transition p14:dur="0"/>
     </mc:Choice>
     <mc:Fallback>
-      <p:transition spd="slow">
-        <p:checker/>
-      </p:transition>
+      <p:transition/>
     </mc:Fallback>
   </mc:AlternateContent>
   <p:timing>
     <p:tnLst>
       <p:par>
-        <p:cTn id="1" dur="indefinite" restart="never" nodeType="tmRoot">
-          <p:childTnLst>
-            <p:seq concurrent="1" nextAc="seek">
-              <p:cTn id="2" dur="indefinite" nodeType="mainSeq">
-                <p:childTnLst>
-                  <p:par>
-                    <p:cTn id="3" fill="hold">
-                      <p:stCondLst>
-                        <p:cond delay="indefinite"/>
-                      </p:stCondLst>
-                      <p:childTnLst>
-                        <p:par>
-                          <p:cTn id="4" fill="hold">
-                            <p:stCondLst>
-                              <p:cond delay="0"/>
-                            </p:stCondLst>
-                            <p:childTnLst>
-                              <p:par>
-                                <p:cTn id="5" presetID="45" presetClass="entr" presetSubtype="0" fill="hold" nodeType="clickEffect">
-                                  <p:stCondLst>
-                                    <p:cond delay="0"/>
-                                  </p:stCondLst>
-                                  <p:childTnLst>
-                                    <p:set>
-                                      <p:cBhvr>
-                                        <p:cTn id="6" dur="1" fill="hold">
-                                          <p:stCondLst>
-                                            <p:cond delay="0"/>
-                                          </p:stCondLst>
-                                        </p:cTn>
-                                        <p:tgtEl>
-                                          <p:spTgt spid="621"/>
-                                        </p:tgtEl>
-                                        <p:attrNameLst>
-                                          <p:attrName>style.visibility</p:attrName>
-                                        </p:attrNameLst>
-                                      </p:cBhvr>
-                                      <p:to>
-                                        <p:strVal val="visible"/>
-                                      </p:to>
-                                    </p:set>
-                                    <p:animEffect transition="in" filter="fade">
-                                      <p:cBhvr>
-                                        <p:cTn id="7" dur="4000"/>
-                                        <p:tgtEl>
-                                          <p:spTgt spid="621"/>
-                                        </p:tgtEl>
-                                      </p:cBhvr>
-                                    </p:animEffect>
-                                    <p:anim calcmode="lin" valueType="num">
-                                      <p:cBhvr>
-                                        <p:cTn id="8" dur="4000" fill="hold"/>
-                                        <p:tgtEl>
-                                          <p:spTgt spid="621"/>
-                                        </p:tgtEl>
-                                        <p:attrNameLst>
-                                          <p:attrName>ppt_w</p:attrName>
-                                        </p:attrNameLst>
-                                      </p:cBhvr>
-                                      <p:tavLst>
-                                        <p:tav tm="0" fmla="#ppt_w*sin(2.5*pi*$)">
-                                          <p:val>
-                                            <p:fltVal val="0"/>
-                                          </p:val>
-                                        </p:tav>
-                                        <p:tav tm="100000">
-                                          <p:val>
-                                            <p:fltVal val="1"/>
-                                          </p:val>
-                                        </p:tav>
-                                      </p:tavLst>
-                                    </p:anim>
-                                    <p:anim calcmode="lin" valueType="num">
-                                      <p:cBhvr>
-                                        <p:cTn id="9" dur="4000" fill="hold"/>
-                                        <p:tgtEl>
-                                          <p:spTgt spid="621"/>
-                                        </p:tgtEl>
-                                        <p:attrNameLst>
-                                          <p:attrName>ppt_h</p:attrName>
-                                        </p:attrNameLst>
-                                      </p:cBhvr>
-                                      <p:tavLst>
-                                        <p:tav tm="0">
-                                          <p:val>
-                                            <p:strVal val="#ppt_h"/>
-                                          </p:val>
-                                        </p:tav>
-                                        <p:tav tm="100000">
-                                          <p:val>
-                                            <p:strVal val="#ppt_h"/>
-                                          </p:val>
-                                        </p:tav>
-                                      </p:tavLst>
-                                    </p:anim>
-                                  </p:childTnLst>
-                                </p:cTn>
-                              </p:par>
-                              <p:par>
-                                <p:cTn id="10" presetID="45" presetClass="entr" presetSubtype="0" fill="hold" grpId="0" nodeType="withEffect">
-                                  <p:stCondLst>
-                                    <p:cond delay="0"/>
-                                  </p:stCondLst>
-                                  <p:childTnLst>
-                                    <p:set>
-                                      <p:cBhvr>
-                                        <p:cTn id="11" dur="1" fill="hold">
-                                          <p:stCondLst>
-                                            <p:cond delay="0"/>
-                                          </p:stCondLst>
-                                        </p:cTn>
-                                        <p:tgtEl>
-                                          <p:spTgt spid="631"/>
-                                        </p:tgtEl>
-                                        <p:attrNameLst>
-                                          <p:attrName>style.visibility</p:attrName>
-                                        </p:attrNameLst>
-                                      </p:cBhvr>
-                                      <p:to>
-                                        <p:strVal val="visible"/>
-                                      </p:to>
-                                    </p:set>
-                                    <p:animEffect transition="in" filter="fade">
-                                      <p:cBhvr>
-                                        <p:cTn id="12" dur="4000"/>
-                                        <p:tgtEl>
-                                          <p:spTgt spid="631"/>
-                                        </p:tgtEl>
-                                      </p:cBhvr>
-                                    </p:animEffect>
-                                    <p:anim calcmode="lin" valueType="num">
-                                      <p:cBhvr>
-                                        <p:cTn id="13" dur="4000" fill="hold"/>
-                                        <p:tgtEl>
-                                          <p:spTgt spid="631"/>
-                                        </p:tgtEl>
-                                        <p:attrNameLst>
-                                          <p:attrName>ppt_w</p:attrName>
-                                        </p:attrNameLst>
-                                      </p:cBhvr>
-                                      <p:tavLst>
-                                        <p:tav tm="0" fmla="#ppt_w*sin(2.5*pi*$)">
-                                          <p:val>
-                                            <p:fltVal val="0"/>
-                                          </p:val>
-                                        </p:tav>
-                                        <p:tav tm="100000">
-                                          <p:val>
-                                            <p:fltVal val="1"/>
-                                          </p:val>
-                                        </p:tav>
-                                      </p:tavLst>
-                                    </p:anim>
-                                    <p:anim calcmode="lin" valueType="num">
-                                      <p:cBhvr>
-                                        <p:cTn id="14" dur="4000" fill="hold"/>
-                                        <p:tgtEl>
-                                          <p:spTgt spid="631"/>
-                                        </p:tgtEl>
-                                        <p:attrNameLst>
-                                          <p:attrName>ppt_h</p:attrName>
-                                        </p:attrNameLst>
-                                      </p:cBhvr>
-                                      <p:tavLst>
-                                        <p:tav tm="0">
-                                          <p:val>
-                                            <p:strVal val="#ppt_h"/>
-                                          </p:val>
-                                        </p:tav>
-                                        <p:tav tm="100000">
-                                          <p:val>
-                                            <p:strVal val="#ppt_h"/>
-                                          </p:val>
-                                        </p:tav>
-                                      </p:tavLst>
-                                    </p:anim>
-                                  </p:childTnLst>
-                                </p:cTn>
-                              </p:par>
-                            </p:childTnLst>
-                          </p:cTn>
-                        </p:par>
-                      </p:childTnLst>
-                    </p:cTn>
-                  </p:par>
-                  <p:par>
-                    <p:cTn id="15" fill="hold">
-                      <p:stCondLst>
-                        <p:cond delay="indefinite"/>
-                      </p:stCondLst>
-                      <p:childTnLst>
-                        <p:par>
-                          <p:cTn id="16" fill="hold">
-                            <p:stCondLst>
-                              <p:cond delay="0"/>
-                            </p:stCondLst>
-                            <p:childTnLst>
-                              <p:par>
-                                <p:cTn id="17" presetID="26" presetClass="entr" presetSubtype="0" fill="hold" nodeType="clickEffect">
-                                  <p:stCondLst>
-                                    <p:cond delay="0"/>
-                                  </p:stCondLst>
-                                  <p:childTnLst>
-                                    <p:set>
-                                      <p:cBhvr>
-                                        <p:cTn id="18" dur="1" fill="hold">
-                                          <p:stCondLst>
-                                            <p:cond delay="0"/>
-                                          </p:stCondLst>
-                                        </p:cTn>
-                                        <p:tgtEl>
-                                          <p:spTgt spid="624"/>
-                                        </p:tgtEl>
-                                        <p:attrNameLst>
-                                          <p:attrName>style.visibility</p:attrName>
-                                        </p:attrNameLst>
-                                      </p:cBhvr>
-                                      <p:to>
-                                        <p:strVal val="visible"/>
-                                      </p:to>
-                                    </p:set>
-                                    <p:animEffect transition="in" filter="wipe(down)">
-                                      <p:cBhvr>
-                                        <p:cTn id="19" dur="580">
-                                          <p:stCondLst>
-                                            <p:cond delay="0"/>
-                                          </p:stCondLst>
-                                        </p:cTn>
-                                        <p:tgtEl>
-                                          <p:spTgt spid="624"/>
-                                        </p:tgtEl>
-                                      </p:cBhvr>
-                                    </p:animEffect>
-                                    <p:anim calcmode="lin" valueType="num">
-                                      <p:cBhvr>
-                                        <p:cTn id="20" dur="1822" tmFilter="0,0; 0.14,0.36; 0.43,0.73; 0.71,0.91; 1.0,1.0">
-                                          <p:stCondLst>
-                                            <p:cond delay="0"/>
-                                          </p:stCondLst>
-                                        </p:cTn>
-                                        <p:tgtEl>
-                                          <p:spTgt spid="624"/>
-                                        </p:tgtEl>
-                                        <p:attrNameLst>
-                                          <p:attrName>ppt_x</p:attrName>
-                                        </p:attrNameLst>
-                                      </p:cBhvr>
-                                      <p:tavLst>
-                                        <p:tav tm="0">
-                                          <p:val>
-                                            <p:strVal val="#ppt_x-0.25"/>
-                                          </p:val>
-                                        </p:tav>
-                                        <p:tav tm="100000">
-                                          <p:val>
-                                            <p:strVal val="#ppt_x"/>
-                                          </p:val>
-                                        </p:tav>
-                                      </p:tavLst>
-                                    </p:anim>
-                                    <p:anim calcmode="lin" valueType="num">
-                                      <p:cBhvr>
-                                        <p:cTn id="21" dur="664" tmFilter="0.0,0.0; 0.25,0.07; 0.50,0.2; 0.75,0.467; 1.0,1.0">
-                                          <p:stCondLst>
-                                            <p:cond delay="0"/>
-                                          </p:stCondLst>
-                                        </p:cTn>
-                                        <p:tgtEl>
-                                          <p:spTgt spid="624"/>
-                                        </p:tgtEl>
-                                        <p:attrNameLst>
-                                          <p:attrName>ppt_y</p:attrName>
-                                        </p:attrNameLst>
-                                      </p:cBhvr>
-                                      <p:tavLst>
-                                        <p:tav tm="0" fmla="#ppt_y-sin(pi*$)/3">
-                                          <p:val>
-                                            <p:fltVal val="0.5"/>
-                                          </p:val>
-                                        </p:tav>
-                                        <p:tav tm="100000">
-                                          <p:val>
-                                            <p:fltVal val="1"/>
-                                          </p:val>
-                                        </p:tav>
-                                      </p:tavLst>
-                                    </p:anim>
-                                    <p:anim calcmode="lin" valueType="num">
-                                      <p:cBhvr>
-                                        <p:cTn id="22" dur="664" tmFilter="0, 0; 0.125,0.2665; 0.25,0.4; 0.375,0.465; 0.5,0.5;  0.625,0.535; 0.75,0.6; 0.875,0.7335; 1,1">
-                                          <p:stCondLst>
-                                            <p:cond delay="664"/>
-                                          </p:stCondLst>
-                                        </p:cTn>
-                                        <p:tgtEl>
-                                          <p:spTgt spid="624"/>
-                                        </p:tgtEl>
-                                        <p:attrNameLst>
-                                          <p:attrName>ppt_y</p:attrName>
-                                        </p:attrNameLst>
-                                      </p:cBhvr>
-                                      <p:tavLst>
-                                        <p:tav tm="0" fmla="#ppt_y-sin(pi*$)/9">
-                                          <p:val>
-                                            <p:fltVal val="0"/>
-                                          </p:val>
-                                        </p:tav>
-                                        <p:tav tm="100000">
-                                          <p:val>
-                                            <p:fltVal val="1"/>
-                                          </p:val>
-                                        </p:tav>
-                                      </p:tavLst>
-                                    </p:anim>
-                                    <p:anim calcmode="lin" valueType="num">
-                                      <p:cBhvr>
-                                        <p:cTn id="23" dur="332" tmFilter="0, 0; 0.125,0.2665; 0.25,0.4; 0.375,0.465; 0.5,0.5;  0.625,0.535; 0.75,0.6; 0.875,0.7335; 1,1">
-                                          <p:stCondLst>
-                                            <p:cond delay="1324"/>
-                                          </p:stCondLst>
-                                        </p:cTn>
-                                        <p:tgtEl>
-                                          <p:spTgt spid="624"/>
-                                        </p:tgtEl>
-                                        <p:attrNameLst>
-                                          <p:attrName>ppt_y</p:attrName>
-                                        </p:attrNameLst>
-                                      </p:cBhvr>
-                                      <p:tavLst>
-                                        <p:tav tm="0" fmla="#ppt_y-sin(pi*$)/27">
-                                          <p:val>
-                                            <p:fltVal val="0"/>
-                                          </p:val>
-                                        </p:tav>
-                                        <p:tav tm="100000">
-                                          <p:val>
-                                            <p:fltVal val="1"/>
-                                          </p:val>
-                                        </p:tav>
-                                      </p:tavLst>
-                                    </p:anim>
-                                    <p:anim calcmode="lin" valueType="num">
-                                      <p:cBhvr>
-                                        <p:cTn id="24" dur="164" tmFilter="0, 0; 0.125,0.2665; 0.25,0.4; 0.375,0.465; 0.5,0.5;  0.625,0.535; 0.75,0.6; 0.875,0.7335; 1,1">
-                                          <p:stCondLst>
-                                            <p:cond delay="1656"/>
-                                          </p:stCondLst>
-                                        </p:cTn>
-                                        <p:tgtEl>
-                                          <p:spTgt spid="624"/>
-                                        </p:tgtEl>
-                                        <p:attrNameLst>
-                                          <p:attrName>ppt_y</p:attrName>
-                                        </p:attrNameLst>
-                                      </p:cBhvr>
-                                      <p:tavLst>
-                                        <p:tav tm="0" fmla="#ppt_y-sin(pi*$)/81">
-                                          <p:val>
-                                            <p:fltVal val="0"/>
-                                          </p:val>
-                                        </p:tav>
-                                        <p:tav tm="100000">
-                                          <p:val>
-                                            <p:fltVal val="1"/>
-                                          </p:val>
-                                        </p:tav>
-                                      </p:tavLst>
-                                    </p:anim>
-                                    <p:animScale>
-                                      <p:cBhvr>
-                                        <p:cTn id="25" dur="26">
-                                          <p:stCondLst>
-                                            <p:cond delay="650"/>
-                                          </p:stCondLst>
-                                        </p:cTn>
-                                        <p:tgtEl>
-                                          <p:spTgt spid="624"/>
-                                        </p:tgtEl>
-                                      </p:cBhvr>
-                                      <p:to x="100000" y="60000"/>
-                                    </p:animScale>
-                                    <p:animScale>
-                                      <p:cBhvr>
-                                        <p:cTn id="26" dur="166" decel="50000">
-                                          <p:stCondLst>
-                                            <p:cond delay="676"/>
-                                          </p:stCondLst>
-                                        </p:cTn>
-                                        <p:tgtEl>
-                                          <p:spTgt spid="624"/>
-                                        </p:tgtEl>
-                                      </p:cBhvr>
-                                      <p:to x="100000" y="100000"/>
-                                    </p:animScale>
-                                    <p:animScale>
-                                      <p:cBhvr>
-                                        <p:cTn id="27" dur="26">
-                                          <p:stCondLst>
-                                            <p:cond delay="1312"/>
-                                          </p:stCondLst>
-                                        </p:cTn>
-                                        <p:tgtEl>
-                                          <p:spTgt spid="624"/>
-                                        </p:tgtEl>
-                                      </p:cBhvr>
-                                      <p:to x="100000" y="80000"/>
-                                    </p:animScale>
-                                    <p:animScale>
-                                      <p:cBhvr>
-                                        <p:cTn id="28" dur="166" decel="50000">
-                                          <p:stCondLst>
-                                            <p:cond delay="1338"/>
-                                          </p:stCondLst>
-                                        </p:cTn>
-                                        <p:tgtEl>
-                                          <p:spTgt spid="624"/>
-                                        </p:tgtEl>
-                                      </p:cBhvr>
-                                      <p:to x="100000" y="100000"/>
-                                    </p:animScale>
-                                    <p:animScale>
-                                      <p:cBhvr>
-                                        <p:cTn id="29" dur="26">
-                                          <p:stCondLst>
-                                            <p:cond delay="1642"/>
-                                          </p:stCondLst>
-                                        </p:cTn>
-                                        <p:tgtEl>
-                                          <p:spTgt spid="624"/>
-                                        </p:tgtEl>
-                                      </p:cBhvr>
-                                      <p:to x="100000" y="90000"/>
-                                    </p:animScale>
-                                    <p:animScale>
-                                      <p:cBhvr>
-                                        <p:cTn id="30" dur="166" decel="50000">
-                                          <p:stCondLst>
-                                            <p:cond delay="1668"/>
-                                          </p:stCondLst>
-                                        </p:cTn>
-                                        <p:tgtEl>
-                                          <p:spTgt spid="624"/>
-                                        </p:tgtEl>
-                                      </p:cBhvr>
-                                      <p:to x="100000" y="100000"/>
-                                    </p:animScale>
-                                    <p:animScale>
-                                      <p:cBhvr>
-                                        <p:cTn id="31" dur="26">
-                                          <p:stCondLst>
-                                            <p:cond delay="1808"/>
-                                          </p:stCondLst>
-                                        </p:cTn>
-                                        <p:tgtEl>
-                                          <p:spTgt spid="624"/>
-                                        </p:tgtEl>
-                                      </p:cBhvr>
-                                      <p:to x="100000" y="95000"/>
-                                    </p:animScale>
-                                    <p:animScale>
-                                      <p:cBhvr>
-                                        <p:cTn id="32" dur="166" decel="50000">
-                                          <p:stCondLst>
-                                            <p:cond delay="1834"/>
-                                          </p:stCondLst>
-                                        </p:cTn>
-                                        <p:tgtEl>
-                                          <p:spTgt spid="624"/>
-                                        </p:tgtEl>
-                                      </p:cBhvr>
-                                      <p:to x="100000" y="100000"/>
-                                    </p:animScale>
-                                  </p:childTnLst>
-                                </p:cTn>
-                              </p:par>
-                              <p:par>
-                                <p:cTn id="33" presetID="26" presetClass="entr" presetSubtype="0" fill="hold" grpId="0" nodeType="withEffect">
-                                  <p:stCondLst>
-                                    <p:cond delay="0"/>
-                                  </p:stCondLst>
-                                  <p:childTnLst>
-                                    <p:set>
-                                      <p:cBhvr>
-                                        <p:cTn id="34" dur="1" fill="hold">
-                                          <p:stCondLst>
-                                            <p:cond delay="0"/>
-                                          </p:stCondLst>
-                                        </p:cTn>
-                                        <p:tgtEl>
-                                          <p:spTgt spid="633"/>
-                                        </p:tgtEl>
-                                        <p:attrNameLst>
-                                          <p:attrName>style.visibility</p:attrName>
-                                        </p:attrNameLst>
-                                      </p:cBhvr>
-                                      <p:to>
-                                        <p:strVal val="visible"/>
-                                      </p:to>
-                                    </p:set>
-                                    <p:animEffect transition="in" filter="wipe(down)">
-                                      <p:cBhvr>
-                                        <p:cTn id="35" dur="1160">
-                                          <p:stCondLst>
-                                            <p:cond delay="0"/>
-                                          </p:stCondLst>
-                                        </p:cTn>
-                                        <p:tgtEl>
-                                          <p:spTgt spid="633"/>
-                                        </p:tgtEl>
-                                      </p:cBhvr>
-                                    </p:animEffect>
-                                    <p:anim calcmode="lin" valueType="num">
-                                      <p:cBhvr>
-                                        <p:cTn id="36" dur="3644" tmFilter="0,0; 0.14,0.36; 0.43,0.73; 0.71,0.91; 1.0,1.0">
-                                          <p:stCondLst>
-                                            <p:cond delay="0"/>
-                                          </p:stCondLst>
-                                        </p:cTn>
-                                        <p:tgtEl>
-                                          <p:spTgt spid="633"/>
-                                        </p:tgtEl>
-                                        <p:attrNameLst>
-                                          <p:attrName>ppt_x</p:attrName>
-                                        </p:attrNameLst>
-                                      </p:cBhvr>
-                                      <p:tavLst>
-                                        <p:tav tm="0">
-                                          <p:val>
-                                            <p:strVal val="#ppt_x-0.25"/>
-                                          </p:val>
-                                        </p:tav>
-                                        <p:tav tm="100000">
-                                          <p:val>
-                                            <p:strVal val="#ppt_x"/>
-                                          </p:val>
-                                        </p:tav>
-                                      </p:tavLst>
-                                    </p:anim>
-                                    <p:anim calcmode="lin" valueType="num">
-                                      <p:cBhvr>
-                                        <p:cTn id="37" dur="1328" tmFilter="0.0,0.0; 0.25,0.07; 0.50,0.2; 0.75,0.467; 1.0,1.0">
-                                          <p:stCondLst>
-                                            <p:cond delay="0"/>
-                                          </p:stCondLst>
-                                        </p:cTn>
-                                        <p:tgtEl>
-                                          <p:spTgt spid="633"/>
-                                        </p:tgtEl>
-                                        <p:attrNameLst>
-                                          <p:attrName>ppt_y</p:attrName>
-                                        </p:attrNameLst>
-                                      </p:cBhvr>
-                                      <p:tavLst>
-                                        <p:tav tm="0" fmla="#ppt_y-sin(pi*$)/3">
-                                          <p:val>
-                                            <p:fltVal val="0.5"/>
-                                          </p:val>
-                                        </p:tav>
-                                        <p:tav tm="100000">
-                                          <p:val>
-                                            <p:fltVal val="1"/>
-                                          </p:val>
-                                        </p:tav>
-                                      </p:tavLst>
-                                    </p:anim>
-                                    <p:anim calcmode="lin" valueType="num">
-                                      <p:cBhvr>
-                                        <p:cTn id="38" dur="1328" tmFilter="0, 0; 0.125,0.2665; 0.25,0.4; 0.375,0.465; 0.5,0.5;  0.625,0.535; 0.75,0.6; 0.875,0.7335; 1,1">
-                                          <p:stCondLst>
-                                            <p:cond delay="1328"/>
-                                          </p:stCondLst>
-                                        </p:cTn>
-                                        <p:tgtEl>
-                                          <p:spTgt spid="633"/>
-                                        </p:tgtEl>
-                                        <p:attrNameLst>
-                                          <p:attrName>ppt_y</p:attrName>
-                                        </p:attrNameLst>
-                                      </p:cBhvr>
-                                      <p:tavLst>
-                                        <p:tav tm="0" fmla="#ppt_y-sin(pi*$)/9">
-                                          <p:val>
-                                            <p:fltVal val="0"/>
-                                          </p:val>
-                                        </p:tav>
-                                        <p:tav tm="100000">
-                                          <p:val>
-                                            <p:fltVal val="1"/>
-                                          </p:val>
-                                        </p:tav>
-                                      </p:tavLst>
-                                    </p:anim>
-                                    <p:anim calcmode="lin" valueType="num">
-                                      <p:cBhvr>
-                                        <p:cTn id="39" dur="664" tmFilter="0, 0; 0.125,0.2665; 0.25,0.4; 0.375,0.465; 0.5,0.5;  0.625,0.535; 0.75,0.6; 0.875,0.7335; 1,1">
-                                          <p:stCondLst>
-                                            <p:cond delay="2648"/>
-                                          </p:stCondLst>
-                                        </p:cTn>
-                                        <p:tgtEl>
-                                          <p:spTgt spid="633"/>
-                                        </p:tgtEl>
-                                        <p:attrNameLst>
-                                          <p:attrName>ppt_y</p:attrName>
-                                        </p:attrNameLst>
-                                      </p:cBhvr>
-                                      <p:tavLst>
-                                        <p:tav tm="0" fmla="#ppt_y-sin(pi*$)/27">
-                                          <p:val>
-                                            <p:fltVal val="0"/>
-                                          </p:val>
-                                        </p:tav>
-                                        <p:tav tm="100000">
-                                          <p:val>
-                                            <p:fltVal val="1"/>
-                                          </p:val>
-                                        </p:tav>
-                                      </p:tavLst>
-                                    </p:anim>
-                                    <p:anim calcmode="lin" valueType="num">
-                                      <p:cBhvr>
-                                        <p:cTn id="40" dur="328" tmFilter="0, 0; 0.125,0.2665; 0.25,0.4; 0.375,0.465; 0.5,0.5;  0.625,0.535; 0.75,0.6; 0.875,0.7335; 1,1">
-                                          <p:stCondLst>
-                                            <p:cond delay="3312"/>
-                                          </p:stCondLst>
-                                        </p:cTn>
-                                        <p:tgtEl>
-                                          <p:spTgt spid="633"/>
-                                        </p:tgtEl>
-                                        <p:attrNameLst>
-                                          <p:attrName>ppt_y</p:attrName>
-                                        </p:attrNameLst>
-                                      </p:cBhvr>
-                                      <p:tavLst>
-                                        <p:tav tm="0" fmla="#ppt_y-sin(pi*$)/81">
-                                          <p:val>
-                                            <p:fltVal val="0"/>
-                                          </p:val>
-                                        </p:tav>
-                                        <p:tav tm="100000">
-                                          <p:val>
-                                            <p:fltVal val="1"/>
-                                          </p:val>
-                                        </p:tav>
-                                      </p:tavLst>
-                                    </p:anim>
-                                    <p:animScale>
-                                      <p:cBhvr>
-                                        <p:cTn id="41" dur="52">
-                                          <p:stCondLst>
-                                            <p:cond delay="1300"/>
-                                          </p:stCondLst>
-                                        </p:cTn>
-                                        <p:tgtEl>
-                                          <p:spTgt spid="633"/>
-                                        </p:tgtEl>
-                                      </p:cBhvr>
-                                      <p:to x="100000" y="60000"/>
-                                    </p:animScale>
-                                    <p:animScale>
-                                      <p:cBhvr>
-                                        <p:cTn id="42" dur="332" decel="50000">
-                                          <p:stCondLst>
-                                            <p:cond delay="1352"/>
-                                          </p:stCondLst>
-                                        </p:cTn>
-                                        <p:tgtEl>
-                                          <p:spTgt spid="633"/>
-                                        </p:tgtEl>
-                                      </p:cBhvr>
-                                      <p:to x="100000" y="100000"/>
-                                    </p:animScale>
-                                    <p:animScale>
-                                      <p:cBhvr>
-                                        <p:cTn id="43" dur="52">
-                                          <p:stCondLst>
-                                            <p:cond delay="2624"/>
-                                          </p:stCondLst>
-                                        </p:cTn>
-                                        <p:tgtEl>
-                                          <p:spTgt spid="633"/>
-                                        </p:tgtEl>
-                                      </p:cBhvr>
-                                      <p:to x="100000" y="80000"/>
-                                    </p:animScale>
-                                    <p:animScale>
-                                      <p:cBhvr>
-                                        <p:cTn id="44" dur="332" decel="50000">
-                                          <p:stCondLst>
-                                            <p:cond delay="2676"/>
-                                          </p:stCondLst>
-                                        </p:cTn>
-                                        <p:tgtEl>
-                                          <p:spTgt spid="633"/>
-                                        </p:tgtEl>
-                                      </p:cBhvr>
-                                      <p:to x="100000" y="100000"/>
-                                    </p:animScale>
-                                    <p:animScale>
-                                      <p:cBhvr>
-                                        <p:cTn id="45" dur="52">
-                                          <p:stCondLst>
-                                            <p:cond delay="3284"/>
-                                          </p:stCondLst>
-                                        </p:cTn>
-                                        <p:tgtEl>
-                                          <p:spTgt spid="633"/>
-                                        </p:tgtEl>
-                                      </p:cBhvr>
-                                      <p:to x="100000" y="90000"/>
-                                    </p:animScale>
-                                    <p:animScale>
-                                      <p:cBhvr>
-                                        <p:cTn id="46" dur="332" decel="50000">
-                                          <p:stCondLst>
-                                            <p:cond delay="3336"/>
-                                          </p:stCondLst>
-                                        </p:cTn>
-                                        <p:tgtEl>
-                                          <p:spTgt spid="633"/>
-                                        </p:tgtEl>
-                                      </p:cBhvr>
-                                      <p:to x="100000" y="100000"/>
-                                    </p:animScale>
-                                    <p:animScale>
-                                      <p:cBhvr>
-                                        <p:cTn id="47" dur="52">
-                                          <p:stCondLst>
-                                            <p:cond delay="3616"/>
-                                          </p:stCondLst>
-                                        </p:cTn>
-                                        <p:tgtEl>
-                                          <p:spTgt spid="633"/>
-                                        </p:tgtEl>
-                                      </p:cBhvr>
-                                      <p:to x="100000" y="95000"/>
-                                    </p:animScale>
-                                    <p:animScale>
-                                      <p:cBhvr>
-                                        <p:cTn id="48" dur="332" decel="50000">
-                                          <p:stCondLst>
-                                            <p:cond delay="3668"/>
-                                          </p:stCondLst>
-                                        </p:cTn>
-                                        <p:tgtEl>
-                                          <p:spTgt spid="633"/>
-                                        </p:tgtEl>
-                                      </p:cBhvr>
-                                      <p:to x="100000" y="100000"/>
-                                    </p:animScale>
-                                  </p:childTnLst>
-                                </p:cTn>
-                              </p:par>
-                            </p:childTnLst>
-                          </p:cTn>
-                        </p:par>
-                      </p:childTnLst>
-                    </p:cTn>
-                  </p:par>
-                  <p:par>
-                    <p:cTn id="49" fill="hold">
-                      <p:stCondLst>
-                        <p:cond delay="indefinite"/>
-                      </p:stCondLst>
-                      <p:childTnLst>
-                        <p:par>
-                          <p:cTn id="50" fill="hold">
-                            <p:stCondLst>
-                              <p:cond delay="0"/>
-                            </p:stCondLst>
-                            <p:childTnLst>
-                              <p:par>
-                                <p:cTn id="51" presetID="6" presetClass="entr" presetSubtype="16" fill="hold" nodeType="clickEffect">
-                                  <p:stCondLst>
-                                    <p:cond delay="0"/>
-                                  </p:stCondLst>
-                                  <p:childTnLst>
-                                    <p:set>
-                                      <p:cBhvr>
-                                        <p:cTn id="52" dur="1" fill="hold">
-                                          <p:stCondLst>
-                                            <p:cond delay="0"/>
-                                          </p:stCondLst>
-                                        </p:cTn>
-                                        <p:tgtEl>
-                                          <p:spTgt spid="618"/>
-                                        </p:tgtEl>
-                                        <p:attrNameLst>
-                                          <p:attrName>style.visibility</p:attrName>
-                                        </p:attrNameLst>
-                                      </p:cBhvr>
-                                      <p:to>
-                                        <p:strVal val="visible"/>
-                                      </p:to>
-                                    </p:set>
-                                    <p:animEffect transition="in" filter="circle(in)">
-                                      <p:cBhvr>
-                                        <p:cTn id="53" dur="4000"/>
-                                        <p:tgtEl>
-                                          <p:spTgt spid="618"/>
-                                        </p:tgtEl>
-                                      </p:cBhvr>
-                                    </p:animEffect>
-                                  </p:childTnLst>
-                                </p:cTn>
-                              </p:par>
-                              <p:par>
-                                <p:cTn id="54" presetID="6" presetClass="entr" presetSubtype="16" fill="hold" grpId="0" nodeType="withEffect">
-                                  <p:stCondLst>
-                                    <p:cond delay="0"/>
-                                  </p:stCondLst>
-                                  <p:childTnLst>
-                                    <p:set>
-                                      <p:cBhvr>
-                                        <p:cTn id="55" dur="1" fill="hold">
-                                          <p:stCondLst>
-                                            <p:cond delay="0"/>
-                                          </p:stCondLst>
-                                        </p:cTn>
-                                        <p:tgtEl>
-                                          <p:spTgt spid="635"/>
-                                        </p:tgtEl>
-                                        <p:attrNameLst>
-                                          <p:attrName>style.visibility</p:attrName>
-                                        </p:attrNameLst>
-                                      </p:cBhvr>
-                                      <p:to>
-                                        <p:strVal val="visible"/>
-                                      </p:to>
-                                    </p:set>
-                                    <p:animEffect transition="in" filter="circle(in)">
-                                      <p:cBhvr>
-                                        <p:cTn id="56" dur="4000"/>
-                                        <p:tgtEl>
-                                          <p:spTgt spid="635"/>
-                                        </p:tgtEl>
-                                      </p:cBhvr>
-                                    </p:animEffect>
-                                  </p:childTnLst>
-                                </p:cTn>
-                              </p:par>
-                            </p:childTnLst>
-                          </p:cTn>
-                        </p:par>
-                      </p:childTnLst>
-                    </p:cTn>
-                  </p:par>
-                  <p:par>
-                    <p:cTn id="57" fill="hold">
-                      <p:stCondLst>
-                        <p:cond delay="indefinite"/>
-                      </p:stCondLst>
-                      <p:childTnLst>
-                        <p:par>
-                          <p:cTn id="58" fill="hold">
-                            <p:stCondLst>
-                              <p:cond delay="0"/>
-                            </p:stCondLst>
-                            <p:childTnLst>
-                              <p:par>
-                                <p:cTn id="59" presetID="10" presetClass="entr" presetSubtype="0" fill="hold" nodeType="clickEffect">
-                                  <p:stCondLst>
-                                    <p:cond delay="0"/>
-                                  </p:stCondLst>
-                                  <p:childTnLst>
-                                    <p:set>
-                                      <p:cBhvr>
-                                        <p:cTn id="60" dur="1" fill="hold">
-                                          <p:stCondLst>
-                                            <p:cond delay="0"/>
-                                          </p:stCondLst>
-                                        </p:cTn>
-                                        <p:tgtEl>
-                                          <p:spTgt spid="627"/>
-                                        </p:tgtEl>
-                                        <p:attrNameLst>
-                                          <p:attrName>style.visibility</p:attrName>
-                                        </p:attrNameLst>
-                                      </p:cBhvr>
-                                      <p:to>
-                                        <p:strVal val="visible"/>
-                                      </p:to>
-                                    </p:set>
-                                    <p:animEffect transition="in" filter="fade">
-                                      <p:cBhvr>
-                                        <p:cTn id="61" dur="500"/>
-                                        <p:tgtEl>
-                                          <p:spTgt spid="627"/>
-                                        </p:tgtEl>
-                                      </p:cBhvr>
-                                    </p:animEffect>
-                                  </p:childTnLst>
-                                </p:cTn>
-                              </p:par>
-                              <p:par>
-                                <p:cTn id="62" presetID="10" presetClass="entr" presetSubtype="0" fill="hold" grpId="0" nodeType="withEffect">
-                                  <p:stCondLst>
-                                    <p:cond delay="0"/>
-                                  </p:stCondLst>
-                                  <p:childTnLst>
-                                    <p:set>
-                                      <p:cBhvr>
-                                        <p:cTn id="63" dur="1" fill="hold">
-                                          <p:stCondLst>
-                                            <p:cond delay="0"/>
-                                          </p:stCondLst>
-                                        </p:cTn>
-                                        <p:tgtEl>
-                                          <p:spTgt spid="637"/>
-                                        </p:tgtEl>
-                                        <p:attrNameLst>
-                                          <p:attrName>style.visibility</p:attrName>
-                                        </p:attrNameLst>
-                                      </p:cBhvr>
-                                      <p:to>
-                                        <p:strVal val="visible"/>
-                                      </p:to>
-                                    </p:set>
-                                    <p:animEffect transition="in" filter="fade">
-                                      <p:cBhvr>
-                                        <p:cTn id="64" dur="500"/>
-                                        <p:tgtEl>
-                                          <p:spTgt spid="637"/>
-                                        </p:tgtEl>
-                                      </p:cBhvr>
-                                    </p:animEffect>
-                                  </p:childTnLst>
-                                </p:cTn>
-                              </p:par>
-                            </p:childTnLst>
-                          </p:cTn>
-                        </p:par>
-                      </p:childTnLst>
-                    </p:cTn>
-                  </p:par>
-                  <p:par>
-                    <p:cTn id="65" fill="hold">
-                      <p:stCondLst>
-                        <p:cond delay="indefinite"/>
-                      </p:stCondLst>
-                      <p:childTnLst>
-                        <p:par>
-                          <p:cTn id="66" fill="hold">
-                            <p:stCondLst>
-                              <p:cond delay="0"/>
-                            </p:stCondLst>
-                            <p:childTnLst>
-                              <p:par>
-                                <p:cTn id="67" presetID="21" presetClass="entr" presetSubtype="1" fill="hold" nodeType="clickEffect">
-                                  <p:stCondLst>
-                                    <p:cond delay="0"/>
-                                  </p:stCondLst>
-                                  <p:childTnLst>
-                                    <p:set>
-                                      <p:cBhvr>
-                                        <p:cTn id="68" dur="1" fill="hold">
-                                          <p:stCondLst>
-                                            <p:cond delay="0"/>
-                                          </p:stCondLst>
-                                        </p:cTn>
-                                        <p:tgtEl>
-                                          <p:spTgt spid="615"/>
-                                        </p:tgtEl>
-                                        <p:attrNameLst>
-                                          <p:attrName>style.visibility</p:attrName>
-                                        </p:attrNameLst>
-                                      </p:cBhvr>
-                                      <p:to>
-                                        <p:strVal val="visible"/>
-                                      </p:to>
-                                    </p:set>
-                                    <p:animEffect transition="in" filter="wheel(1)">
-                                      <p:cBhvr>
-                                        <p:cTn id="69" dur="2000"/>
-                                        <p:tgtEl>
-                                          <p:spTgt spid="615"/>
-                                        </p:tgtEl>
-                                      </p:cBhvr>
-                                    </p:animEffect>
-                                  </p:childTnLst>
-                                </p:cTn>
-                              </p:par>
-                              <p:par>
-                                <p:cTn id="70" presetID="21" presetClass="entr" presetSubtype="1" fill="hold" grpId="0" nodeType="withEffect">
-                                  <p:stCondLst>
-                                    <p:cond delay="0"/>
-                                  </p:stCondLst>
-                                  <p:childTnLst>
-                                    <p:set>
-                                      <p:cBhvr>
-                                        <p:cTn id="71" dur="1" fill="hold">
-                                          <p:stCondLst>
-                                            <p:cond delay="0"/>
-                                          </p:stCondLst>
-                                        </p:cTn>
-                                        <p:tgtEl>
-                                          <p:spTgt spid="640"/>
-                                        </p:tgtEl>
-                                        <p:attrNameLst>
-                                          <p:attrName>style.visibility</p:attrName>
-                                        </p:attrNameLst>
-                                      </p:cBhvr>
-                                      <p:to>
-                                        <p:strVal val="visible"/>
-                                      </p:to>
-                                    </p:set>
-                                    <p:animEffect transition="in" filter="wheel(1)">
-                                      <p:cBhvr>
-                                        <p:cTn id="72" dur="2000"/>
-                                        <p:tgtEl>
-                                          <p:spTgt spid="640"/>
-                                        </p:tgtEl>
-                                      </p:cBhvr>
-                                    </p:animEffect>
-                                  </p:childTnLst>
-                                </p:cTn>
-                              </p:par>
-                            </p:childTnLst>
-                          </p:cTn>
-                        </p:par>
-                      </p:childTnLst>
-                    </p:cTn>
-                  </p:par>
-                </p:childTnLst>
-              </p:cTn>
-              <p:prevCondLst>
-                <p:cond evt="onPrev" delay="0">
-                  <p:tgtEl>
-                    <p:sldTgt/>
-                  </p:tgtEl>
-                </p:cond>
-              </p:prevCondLst>
-              <p:nextCondLst>
-                <p:cond evt="onNext" delay="0">
-                  <p:tgtEl>
-                    <p:sldTgt/>
-                  </p:tgtEl>
-                </p:cond>
-              </p:nextCondLst>
-            </p:seq>
-          </p:childTnLst>
-        </p:cTn>
+        <p:cTn id="1" dur="indefinite" restart="never" nodeType="tmRoot"/>
       </p:par>
     </p:tnLst>
-    <p:bldLst>
-      <p:bldP spid="631" grpId="0"/>
-      <p:bldP spid="633" grpId="0"/>
-      <p:bldP spid="635" grpId="0"/>
-      <p:bldP spid="637" grpId="0"/>
-      <p:bldP spid="640" grpId="0"/>
-    </p:bldLst>
   </p:timing>
 </p:sld>
 </file>
@@ -29328,16 +27448,19 @@
   </p:clrMapOvr>
   <mc:AlternateContent xmlns:mc="http://schemas.openxmlformats.org/markup-compatibility/2006">
     <mc:Choice xmlns:p14="http://schemas.microsoft.com/office/powerpoint/2010/main" Requires="p14">
-      <p:transition spd="slow" p14:dur="10000">
-        <p14:honeycomb/>
-      </p:transition>
+      <p:transition p14:dur="0"/>
     </mc:Choice>
     <mc:Fallback>
-      <p:transition spd="slow">
-        <p:fade/>
-      </p:transition>
+      <p:transition/>
     </mc:Fallback>
   </mc:AlternateContent>
+  <p:timing>
+    <p:tnLst>
+      <p:par>
+        <p:cTn id="1" dur="indefinite" restart="never" nodeType="tmRoot"/>
+      </p:par>
+    </p:tnLst>
+  </p:timing>
 </p:sld>
 </file>
 
@@ -30104,165 +28227,16 @@
   </p:clrMapOvr>
   <mc:AlternateContent xmlns:mc="http://schemas.openxmlformats.org/markup-compatibility/2006">
     <mc:Choice xmlns:p14="http://schemas.microsoft.com/office/powerpoint/2010/main" Requires="p14">
-      <p:transition spd="slow" p14:dur="10000">
-        <p14:prism/>
-      </p:transition>
+      <p:transition p14:dur="0"/>
     </mc:Choice>
     <mc:Fallback>
-      <p:transition spd="slow">
-        <p:fade/>
-      </p:transition>
+      <p:transition/>
     </mc:Fallback>
   </mc:AlternateContent>
   <p:timing>
     <p:tnLst>
       <p:par>
-        <p:cTn id="1" dur="indefinite" restart="never" nodeType="tmRoot">
-          <p:childTnLst>
-            <p:seq concurrent="1" nextAc="seek">
-              <p:cTn id="2" dur="indefinite" nodeType="mainSeq">
-                <p:childTnLst>
-                  <p:par>
-                    <p:cTn id="3" fill="hold">
-                      <p:stCondLst>
-                        <p:cond delay="indefinite"/>
-                      </p:stCondLst>
-                      <p:childTnLst>
-                        <p:par>
-                          <p:cTn id="4" fill="hold">
-                            <p:stCondLst>
-                              <p:cond delay="0"/>
-                            </p:stCondLst>
-                            <p:childTnLst>
-                              <p:par>
-                                <p:cTn id="5" presetID="31" presetClass="exit" presetSubtype="0" fill="hold" nodeType="clickEffect">
-                                  <p:stCondLst>
-                                    <p:cond delay="0"/>
-                                  </p:stCondLst>
-                                  <p:childTnLst>
-                                    <p:anim calcmode="lin" valueType="num">
-                                      <p:cBhvr>
-                                        <p:cTn id="6" dur="5000"/>
-                                        <p:tgtEl>
-                                          <p:spTgt spid="1064"/>
-                                        </p:tgtEl>
-                                        <p:attrNameLst>
-                                          <p:attrName>ppt_w</p:attrName>
-                                        </p:attrNameLst>
-                                      </p:cBhvr>
-                                      <p:tavLst>
-                                        <p:tav tm="0">
-                                          <p:val>
-                                            <p:strVal val="ppt_w"/>
-                                          </p:val>
-                                        </p:tav>
-                                        <p:tav tm="100000">
-                                          <p:val>
-                                            <p:fltVal val="0"/>
-                                          </p:val>
-                                        </p:tav>
-                                      </p:tavLst>
-                                    </p:anim>
-                                    <p:anim calcmode="lin" valueType="num">
-                                      <p:cBhvr>
-                                        <p:cTn id="7" dur="5000"/>
-                                        <p:tgtEl>
-                                          <p:spTgt spid="1064"/>
-                                        </p:tgtEl>
-                                        <p:attrNameLst>
-                                          <p:attrName>ppt_h</p:attrName>
-                                        </p:attrNameLst>
-                                      </p:cBhvr>
-                                      <p:tavLst>
-                                        <p:tav tm="0">
-                                          <p:val>
-                                            <p:strVal val="ppt_h"/>
-                                          </p:val>
-                                        </p:tav>
-                                        <p:tav tm="100000">
-                                          <p:val>
-                                            <p:fltVal val="0"/>
-                                          </p:val>
-                                        </p:tav>
-                                      </p:tavLst>
-                                    </p:anim>
-                                    <p:anim calcmode="lin" valueType="num">
-                                      <p:cBhvr>
-                                        <p:cTn id="8" dur="5000"/>
-                                        <p:tgtEl>
-                                          <p:spTgt spid="1064"/>
-                                        </p:tgtEl>
-                                        <p:attrNameLst>
-                                          <p:attrName>style.rotation</p:attrName>
-                                        </p:attrNameLst>
-                                      </p:cBhvr>
-                                      <p:tavLst>
-                                        <p:tav tm="0">
-                                          <p:val>
-                                            <p:fltVal val="0"/>
-                                          </p:val>
-                                        </p:tav>
-                                        <p:tav tm="100000">
-                                          <p:val>
-                                            <p:fltVal val="90"/>
-                                          </p:val>
-                                        </p:tav>
-                                      </p:tavLst>
-                                    </p:anim>
-                                    <p:animEffect transition="out" filter="fade">
-                                      <p:cBhvr>
-                                        <p:cTn id="9" dur="5000"/>
-                                        <p:tgtEl>
-                                          <p:spTgt spid="1064"/>
-                                        </p:tgtEl>
-                                      </p:cBhvr>
-                                    </p:animEffect>
-                                    <p:set>
-                                      <p:cBhvr>
-                                        <p:cTn id="10" dur="1" fill="hold">
-                                          <p:stCondLst>
-                                            <p:cond delay="4999"/>
-                                          </p:stCondLst>
-                                        </p:cTn>
-                                        <p:tgtEl>
-                                          <p:spTgt spid="1064"/>
-                                        </p:tgtEl>
-                                        <p:attrNameLst>
-                                          <p:attrName>style.visibility</p:attrName>
-                                        </p:attrNameLst>
-                                      </p:cBhvr>
-                                      <p:to>
-                                        <p:strVal val="hidden"/>
-                                      </p:to>
-                                    </p:set>
-                                  </p:childTnLst>
-                                </p:cTn>
-                              </p:par>
-                            </p:childTnLst>
-                          </p:cTn>
-                        </p:par>
-                      </p:childTnLst>
-                    </p:cTn>
-                  </p:par>
-                </p:childTnLst>
-              </p:cTn>
-              <p:prevCondLst>
-                <p:cond evt="onPrev" delay="0">
-                  <p:tgtEl>
-                    <p:sldTgt/>
-                  </p:tgtEl>
-                </p:cond>
-              </p:prevCondLst>
-              <p:nextCondLst>
-                <p:cond evt="onNext" delay="0">
-                  <p:tgtEl>
-                    <p:sldTgt/>
-                  </p:tgtEl>
-                </p:cond>
-              </p:nextCondLst>
-            </p:seq>
-          </p:childTnLst>
-        </p:cTn>
+        <p:cTn id="1" dur="indefinite" restart="never" nodeType="tmRoot"/>
       </p:par>
     </p:tnLst>
   </p:timing>
@@ -31512,16 +29486,19 @@
   </p:clrMapOvr>
   <mc:AlternateContent xmlns:mc="http://schemas.openxmlformats.org/markup-compatibility/2006">
     <mc:Choice xmlns:p14="http://schemas.microsoft.com/office/powerpoint/2010/main" Requires="p14">
-      <p:transition>
-        <p14:ripple/>
-      </p:transition>
+      <p:transition p14:dur="0"/>
     </mc:Choice>
     <mc:Fallback>
-      <p:transition>
-        <p:fade/>
-      </p:transition>
+      <p:transition/>
     </mc:Fallback>
   </mc:AlternateContent>
+  <p:timing>
+    <p:tnLst>
+      <p:par>
+        <p:cTn id="1" dur="indefinite" restart="never" nodeType="tmRoot"/>
+      </p:par>
+    </p:tnLst>
+  </p:timing>
 </p:sld>
 </file>
 
